--- a/Prezentacija.pptx
+++ b/Prezentacija.pptx
@@ -122,6 +122,11 @@
       </a:defRPr>
     </a:lvl9pPr>
   </p:defaultTextStyle>
+  <p:extLst>
+    <p:ext uri="{EFAFB233-063F-42B5-8137-9DF3F51BA10A}">
+      <p15:sldGuideLst xmlns:p15="http://schemas.microsoft.com/office/powerpoint/2012/main"/>
+    </p:ext>
+  </p:extLst>
 </p:presentation>
 </file>
 
@@ -4265,7 +4270,7 @@
             </a:pPr>
             <a:r>
               <a:rPr lang="hr-HR" dirty="0"/>
-              <a:t> Važniji zapisi</a:t>
+              <a:t> Važniji dnevnički zapisi</a:t>
             </a:r>
           </a:p>
           <a:p>
@@ -4969,10 +4974,7 @@
               <a:buFont typeface="Arial" panose="020B0604020202020204" pitchFamily="34" charset="0"/>
               <a:buChar char="•"/>
             </a:pPr>
-            <a:r>
-              <a:rPr lang="hr-HR" dirty="0"/>
-              <a:t> Nije dostupan za FTP poslužitelje</a:t>
-            </a:r>
+            <a:endParaRPr lang="hr-HR" dirty="0"/>
           </a:p>
           <a:p>
             <a:pPr>
@@ -4981,7 +4983,7 @@
             </a:pPr>
             <a:r>
               <a:rPr lang="hr-HR" dirty="0"/>
-              <a:t> Format</a:t>
+              <a:t>Format</a:t>
             </a:r>
           </a:p>
           <a:p>
@@ -5960,18 +5962,19 @@
             </a:pPr>
             <a:r>
               <a:rPr lang="hr-HR" dirty="0"/>
+              <a:t>Korisni su administratorima i korisnicima osobnih računala</a:t>
+            </a:r>
+          </a:p>
+          <a:p>
+            <a:pPr lvl="1">
+              <a:buFont typeface="Arial" panose="020B0604020202020204" pitchFamily="34" charset="0"/>
+              <a:buChar char="•"/>
+            </a:pPr>
+            <a:r>
+              <a:rPr lang="hr-HR"/>
               <a:t>Važnu ulogu danas imaju poslužiteljski dnevnički zapisi</a:t>
             </a:r>
-          </a:p>
-          <a:p>
-            <a:pPr lvl="1">
-              <a:buFont typeface="Arial" panose="020B0604020202020204" pitchFamily="34" charset="0"/>
-              <a:buChar char="•"/>
-            </a:pPr>
-            <a:r>
-              <a:rPr lang="hr-HR" dirty="0"/>
-              <a:t>Korisni su administratorima i korisnicima osobnih računala</a:t>
-            </a:r>
+            <a:endParaRPr lang="hr-HR" dirty="0"/>
           </a:p>
           <a:p>
             <a:pPr lvl="1">

--- a/Prezentacija.pptx
+++ b/Prezentacija.pptx
@@ -5180,8 +5180,16 @@
               <a:buChar char="•"/>
             </a:pPr>
             <a:r>
-              <a:rPr lang="hr-HR" dirty="0"/>
-              <a:t>Verzija, polja, program, početni datum, završni datum, datum nastanka, komentar</a:t>
+              <a:rPr lang="hr-HR" dirty="0">
+                <a:solidFill>
+                  <a:srgbClr val="FF0000"/>
+                </a:solidFill>
+              </a:rPr>
+              <a:t>Verzija, polja</a:t>
+            </a:r>
+            <a:r>
+              <a:rPr lang="hr-HR" dirty="0"/>
+              <a:t>, program, početni datum, završni datum, datum nastanka, komentar</a:t>
             </a:r>
           </a:p>
           <a:p>
@@ -5516,7 +5524,15 @@
             </a:pPr>
             <a:r>
               <a:rPr lang="hr-HR" dirty="0"/>
-              <a:t>IP adresa klijenta, korisničko ime, datum, vrijeme, servis i instanca, naziv poslužitelja, IP adresa poslužitelja, vrijeme obrade, količina bajtova poslana poslužitelju, količina bajtova poslanih klijentu, HTTP statusni kod, Windows statusni kod, metoda zahtjeva, ciljani sadržaj zahtjeva</a:t>
+              <a:t>IP adresa klijenta, korisničko ime, datum, vrijeme, servis i instanca, naziv poslužitelja, IP adresa poslužitelja, vrijeme obrade, količina </a:t>
+            </a:r>
+            <a:r>
+              <a:rPr lang="hr-HR"/>
+              <a:t>bajtova poslanih </a:t>
+            </a:r>
+            <a:r>
+              <a:rPr lang="hr-HR" dirty="0"/>
+              <a:t>poslužitelju, količina bajtova poslanih klijentu, HTTP statusni kod, Windows statusni kod, metoda zahtjeva, ciljani sadržaj zahtjeva</a:t>
             </a:r>
           </a:p>
           <a:p>
@@ -7215,7 +7231,7 @@
             </a:pPr>
             <a:r>
               <a:rPr lang="hr-HR" dirty="0"/>
-              <a:t> Opis organizacije dnevničkih zapisa na Windows i Linux platformama</a:t>
+              <a:t> Organizacija dnevničkih zapisa na Windows i Linux platformama</a:t>
             </a:r>
           </a:p>
         </p:txBody>

--- a/Prezentacija.pptx
+++ b/Prezentacija.pptx
@@ -16,14 +16,13 @@
     <p:sldId id="264" r:id="rId10"/>
     <p:sldId id="265" r:id="rId11"/>
     <p:sldId id="266" r:id="rId12"/>
-    <p:sldId id="267" r:id="rId13"/>
-    <p:sldId id="268" r:id="rId14"/>
-    <p:sldId id="269" r:id="rId15"/>
-    <p:sldId id="271" r:id="rId16"/>
-    <p:sldId id="270" r:id="rId17"/>
-    <p:sldId id="272" r:id="rId18"/>
-    <p:sldId id="273" r:id="rId19"/>
-    <p:sldId id="274" r:id="rId20"/>
+    <p:sldId id="268" r:id="rId13"/>
+    <p:sldId id="269" r:id="rId14"/>
+    <p:sldId id="271" r:id="rId15"/>
+    <p:sldId id="270" r:id="rId16"/>
+    <p:sldId id="272" r:id="rId17"/>
+    <p:sldId id="273" r:id="rId18"/>
+    <p:sldId id="274" r:id="rId19"/>
   </p:sldIdLst>
   <p:sldSz cx="12192000" cy="6858000"/>
   <p:notesSz cx="6858000" cy="9144000"/>
@@ -356,7 +355,7 @@
           <a:p>
             <a:fld id="{40B33CB1-9794-42A9-BF79-B73D0960027F}" type="datetimeFigureOut">
               <a:rPr lang="hr-HR" smtClean="0"/>
-              <a:t>20.9.2020.</a:t>
+              <a:t>21.9.2020.</a:t>
             </a:fld>
             <a:endParaRPr lang="hr-HR"/>
           </a:p>
@@ -564,7 +563,7 @@
           <a:p>
             <a:fld id="{40B33CB1-9794-42A9-BF79-B73D0960027F}" type="datetimeFigureOut">
               <a:rPr lang="hr-HR" smtClean="0"/>
-              <a:t>20.9.2020.</a:t>
+              <a:t>21.9.2020.</a:t>
             </a:fld>
             <a:endParaRPr lang="hr-HR"/>
           </a:p>
@@ -820,7 +819,7 @@
           <a:p>
             <a:fld id="{40B33CB1-9794-42A9-BF79-B73D0960027F}" type="datetimeFigureOut">
               <a:rPr lang="hr-HR" smtClean="0"/>
-              <a:t>20.9.2020.</a:t>
+              <a:t>21.9.2020.</a:t>
             </a:fld>
             <a:endParaRPr lang="hr-HR"/>
           </a:p>
@@ -994,7 +993,7 @@
           <a:p>
             <a:fld id="{40B33CB1-9794-42A9-BF79-B73D0960027F}" type="datetimeFigureOut">
               <a:rPr lang="hr-HR" smtClean="0"/>
-              <a:t>20.9.2020.</a:t>
+              <a:t>21.9.2020.</a:t>
             </a:fld>
             <a:endParaRPr lang="hr-HR"/>
           </a:p>
@@ -1337,7 +1336,7 @@
           <a:p>
             <a:fld id="{40B33CB1-9794-42A9-BF79-B73D0960027F}" type="datetimeFigureOut">
               <a:rPr lang="hr-HR" smtClean="0"/>
-              <a:t>20.9.2020.</a:t>
+              <a:t>21.9.2020.</a:t>
             </a:fld>
             <a:endParaRPr lang="hr-HR"/>
           </a:p>
@@ -1612,7 +1611,7 @@
           <a:p>
             <a:fld id="{40B33CB1-9794-42A9-BF79-B73D0960027F}" type="datetimeFigureOut">
               <a:rPr lang="hr-HR" smtClean="0"/>
-              <a:t>20.9.2020.</a:t>
+              <a:t>21.9.2020.</a:t>
             </a:fld>
             <a:endParaRPr lang="hr-HR"/>
           </a:p>
@@ -1991,7 +1990,7 @@
           <a:p>
             <a:fld id="{40B33CB1-9794-42A9-BF79-B73D0960027F}" type="datetimeFigureOut">
               <a:rPr lang="hr-HR" smtClean="0"/>
-              <a:t>20.9.2020.</a:t>
+              <a:t>21.9.2020.</a:t>
             </a:fld>
             <a:endParaRPr lang="hr-HR"/>
           </a:p>
@@ -2109,7 +2108,7 @@
           <a:p>
             <a:fld id="{40B33CB1-9794-42A9-BF79-B73D0960027F}" type="datetimeFigureOut">
               <a:rPr lang="hr-HR" smtClean="0"/>
-              <a:t>20.9.2020.</a:t>
+              <a:t>21.9.2020.</a:t>
             </a:fld>
             <a:endParaRPr lang="hr-HR"/>
           </a:p>
@@ -2280,7 +2279,7 @@
           <a:p>
             <a:fld id="{40B33CB1-9794-42A9-BF79-B73D0960027F}" type="datetimeFigureOut">
               <a:rPr lang="hr-HR" smtClean="0"/>
-              <a:t>20.9.2020.</a:t>
+              <a:t>21.9.2020.</a:t>
             </a:fld>
             <a:endParaRPr lang="hr-HR"/>
           </a:p>
@@ -2634,7 +2633,7 @@
           <a:p>
             <a:fld id="{40B33CB1-9794-42A9-BF79-B73D0960027F}" type="datetimeFigureOut">
               <a:rPr lang="hr-HR" smtClean="0"/>
-              <a:t>20.9.2020.</a:t>
+              <a:t>21.9.2020.</a:t>
             </a:fld>
             <a:endParaRPr lang="hr-HR"/>
           </a:p>
@@ -3016,7 +3015,7 @@
           <a:p>
             <a:fld id="{40B33CB1-9794-42A9-BF79-B73D0960027F}" type="datetimeFigureOut">
               <a:rPr lang="hr-HR" smtClean="0"/>
-              <a:t>20.9.2020.</a:t>
+              <a:t>21.9.2020.</a:t>
             </a:fld>
             <a:endParaRPr lang="hr-HR"/>
           </a:p>
@@ -3303,7 +3302,7 @@
           <a:p>
             <a:fld id="{40B33CB1-9794-42A9-BF79-B73D0960027F}" type="datetimeFigureOut">
               <a:rPr lang="hr-HR" smtClean="0"/>
-              <a:t>20.9.2020.</a:t>
+              <a:t>21.9.2020.</a:t>
             </a:fld>
             <a:endParaRPr lang="hr-HR"/>
           </a:p>
@@ -4688,7 +4687,7 @@
           <p:cNvPr id="2" name="Title 1">
             <a:extLst>
               <a:ext uri="{FF2B5EF4-FFF2-40B4-BE49-F238E27FC236}">
-                <a16:creationId xmlns:a16="http://schemas.microsoft.com/office/drawing/2014/main" id="{EE4CC5E8-930F-4F11-B163-8E0A82E20E38}"/>
+                <a16:creationId xmlns:a16="http://schemas.microsoft.com/office/drawing/2014/main" id="{FE9A3888-6B38-4DD8-9517-A69992651C37}"/>
               </a:ext>
             </a:extLst>
           </p:cNvPr>
@@ -4706,7 +4705,7 @@
           <a:p>
             <a:r>
               <a:rPr lang="hr-HR" dirty="0"/>
-              <a:t>Web poslužitelji</a:t>
+              <a:t>Common log format</a:t>
             </a:r>
           </a:p>
         </p:txBody>
@@ -4716,7 +4715,7 @@
           <p:cNvPr id="4" name="Content Placeholder 2">
             <a:extLst>
               <a:ext uri="{FF2B5EF4-FFF2-40B4-BE49-F238E27FC236}">
-                <a16:creationId xmlns:a16="http://schemas.microsoft.com/office/drawing/2014/main" id="{D0324D89-DEF8-4CF3-AA30-9758B64502CB}"/>
+                <a16:creationId xmlns:a16="http://schemas.microsoft.com/office/drawing/2014/main" id="{2602F01E-BD30-4505-B4E5-939D1F9D80E9}"/>
               </a:ext>
             </a:extLst>
           </p:cNvPr>
@@ -4730,7 +4729,7 @@
         <p:spPr>
           <a:xfrm>
             <a:off x="1097280" y="1845733"/>
-            <a:ext cx="3835447" cy="4630567"/>
+            <a:ext cx="10058400" cy="4630567"/>
           </a:xfrm>
         </p:spPr>
         <p:txBody>
@@ -4745,11 +4744,11 @@
             </a:pPr>
             <a:r>
               <a:rPr lang="hr-HR" dirty="0"/>
-              <a:t> Računala s pripadnom programskom podrškom za zaprimanje, obradu i odgovor na zahtjeve klijenata</a:t>
-            </a:r>
-          </a:p>
-          <a:p>
-            <a:pPr lvl="1">
+              <a:t> Ne može se prilagođavati</a:t>
+            </a:r>
+          </a:p>
+          <a:p>
+            <a:pPr>
               <a:buFont typeface="Arial" panose="020B0604020202020204" pitchFamily="34" charset="0"/>
               <a:buChar char="•"/>
             </a:pPr>
@@ -4762,27 +4761,27 @@
             </a:pPr>
             <a:r>
               <a:rPr lang="hr-HR" dirty="0"/>
-              <a:t> Vrste sadržaja</a:t>
-            </a:r>
-          </a:p>
-          <a:p>
-            <a:pPr lvl="1">
-              <a:buFont typeface="Arial" panose="020B0604020202020204" pitchFamily="34" charset="0"/>
-              <a:buChar char="•"/>
-            </a:pPr>
-            <a:r>
-              <a:rPr lang="hr-HR" dirty="0"/>
-              <a:t>Statički sadržaj - HTML, CSS</a:t>
-            </a:r>
-          </a:p>
-          <a:p>
-            <a:pPr lvl="1">
-              <a:buFont typeface="Arial" panose="020B0604020202020204" pitchFamily="34" charset="0"/>
-              <a:buChar char="•"/>
-            </a:pPr>
-            <a:r>
-              <a:rPr lang="hr-HR" dirty="0"/>
-              <a:t>Dinamički sadržaj - HTML dokument generiran pomoću programskog jezika</a:t>
+              <a:t>Format</a:t>
+            </a:r>
+          </a:p>
+          <a:p>
+            <a:pPr lvl="1">
+              <a:buFont typeface="Arial" panose="020B0604020202020204" pitchFamily="34" charset="0"/>
+              <a:buChar char="•"/>
+            </a:pPr>
+            <a:r>
+              <a:rPr lang="hr-HR" dirty="0"/>
+              <a:t>IP adresa klijenta, identifikator korisnika, korisničko ime, datum i vrijeme s vremenskom zonom, metoda i sadržaj koji se dohvaća, HTTP statusni kod, veličina sadržaja u bajtovima</a:t>
+            </a:r>
+          </a:p>
+          <a:p>
+            <a:pPr lvl="1">
+              <a:buFont typeface="Arial" panose="020B0604020202020204" pitchFamily="34" charset="0"/>
+              <a:buChar char="•"/>
+            </a:pPr>
+            <a:r>
+              <a:rPr lang="hr-HR" dirty="0"/>
+              <a:t>Bilježi se lokalno vrijeme klijenta, prazna polja označena su povlakom „-”, polja su odvojena razmakom</a:t>
             </a:r>
           </a:p>
           <a:p>
@@ -4793,91 +4792,38 @@
             <a:endParaRPr lang="hr-HR" dirty="0"/>
           </a:p>
           <a:p>
-            <a:pPr marL="0" indent="0">
-              <a:buNone/>
+            <a:pPr>
+              <a:buFont typeface="Arial" panose="020B0604020202020204" pitchFamily="34" charset="0"/>
+              <a:buChar char="•"/>
+            </a:pPr>
+            <a:r>
+              <a:rPr lang="hr-HR" dirty="0"/>
+              <a:t>Primjer</a:t>
+            </a:r>
+          </a:p>
+          <a:p>
+            <a:pPr lvl="1">
+              <a:buFont typeface="Arial" panose="020B0604020202020204" pitchFamily="34" charset="0"/>
+              <a:buChar char="•"/>
+            </a:pPr>
+            <a:r>
+              <a:rPr lang="hr-HR" dirty="0"/>
+              <a:t>127.0.0.1 - lmodric [13/May/2020:16:36:46 +0200] "GET /projekt/css/style.css  HTTP/1.1" 200 7701</a:t>
+            </a:r>
+          </a:p>
+          <a:p>
+            <a:pPr lvl="1">
+              <a:buFont typeface="Arial" panose="020B0604020202020204" pitchFamily="34" charset="0"/>
+              <a:buChar char="•"/>
             </a:pPr>
             <a:endParaRPr lang="hr-HR" dirty="0"/>
-          </a:p>
-        </p:txBody>
-      </p:sp>
-      <p:pic>
-        <p:nvPicPr>
-          <p:cNvPr id="6" name="Picture 5">
-            <a:extLst>
-              <a:ext uri="{FF2B5EF4-FFF2-40B4-BE49-F238E27FC236}">
-                <a16:creationId xmlns:a16="http://schemas.microsoft.com/office/drawing/2014/main" id="{2DF0E7E3-27F4-4C47-9190-D776F58BFBCC}"/>
-              </a:ext>
-            </a:extLst>
-          </p:cNvPr>
-          <p:cNvPicPr/>
-          <p:nvPr/>
-        </p:nvPicPr>
-        <p:blipFill>
-          <a:blip r:embed="rId2">
-            <a:extLst>
-              <a:ext uri="{28A0092B-C50C-407E-A947-70E740481C1C}">
-                <a14:useLocalDpi xmlns:a14="http://schemas.microsoft.com/office/drawing/2010/main" val="0"/>
-              </a:ext>
-            </a:extLst>
-          </a:blip>
-          <a:stretch>
-            <a:fillRect/>
-          </a:stretch>
-        </p:blipFill>
-        <p:spPr>
-          <a:xfrm>
-            <a:off x="5394960" y="2457767"/>
-            <a:ext cx="5760720" cy="1942465"/>
-          </a:xfrm>
-          <a:prstGeom prst="rect">
-            <a:avLst/>
-          </a:prstGeom>
-        </p:spPr>
-      </p:pic>
-      <p:sp>
-        <p:nvSpPr>
-          <p:cNvPr id="7" name="TextBox 6">
-            <a:extLst>
-              <a:ext uri="{FF2B5EF4-FFF2-40B4-BE49-F238E27FC236}">
-                <a16:creationId xmlns:a16="http://schemas.microsoft.com/office/drawing/2014/main" id="{B2E91F2D-330E-4577-959A-6CBED4506539}"/>
-              </a:ext>
-            </a:extLst>
-          </p:cNvPr>
-          <p:cNvSpPr txBox="1"/>
-          <p:nvPr/>
-        </p:nvSpPr>
-        <p:spPr>
-          <a:xfrm>
-            <a:off x="6874823" y="4400232"/>
-            <a:ext cx="2800993" cy="307777"/>
-          </a:xfrm>
-          <a:prstGeom prst="rect">
-            <a:avLst/>
-          </a:prstGeom>
-          <a:noFill/>
-        </p:spPr>
-        <p:txBody>
-          <a:bodyPr wrap="square" rtlCol="0">
-            <a:spAutoFit/>
-          </a:bodyPr>
-          <a:lstStyle/>
-          <a:p>
-            <a:r>
-              <a:rPr lang="hr-HR" sz="1400" dirty="0"/>
-              <a:t>Slika 5. </a:t>
-            </a:r>
-            <a:r>
-              <a:rPr lang="nl-NL" sz="1400" dirty="0"/>
-              <a:t>Princip rada web poslužitelja </a:t>
-            </a:r>
-            <a:endParaRPr lang="hr-HR" sz="1400" dirty="0"/>
           </a:p>
         </p:txBody>
       </p:sp>
     </p:spTree>
     <p:extLst>
       <p:ext uri="{BB962C8B-B14F-4D97-AF65-F5344CB8AC3E}">
-        <p14:creationId xmlns:p14="http://schemas.microsoft.com/office/powerpoint/2010/main" val="2144265894"/>
+        <p14:creationId xmlns:p14="http://schemas.microsoft.com/office/powerpoint/2010/main" val="2846069568"/>
       </p:ext>
     </p:extLst>
   </p:cSld>
@@ -4909,7 +4855,7 @@
           <p:cNvPr id="2" name="Title 1">
             <a:extLst>
               <a:ext uri="{FF2B5EF4-FFF2-40B4-BE49-F238E27FC236}">
-                <a16:creationId xmlns:a16="http://schemas.microsoft.com/office/drawing/2014/main" id="{FE9A3888-6B38-4DD8-9517-A69992651C37}"/>
+                <a16:creationId xmlns:a16="http://schemas.microsoft.com/office/drawing/2014/main" id="{FE32B574-B3C5-4796-9F03-A867282ACAA3}"/>
               </a:ext>
             </a:extLst>
           </p:cNvPr>
@@ -4927,17 +4873,17 @@
           <a:p>
             <a:r>
               <a:rPr lang="hr-HR" dirty="0"/>
-              <a:t>Common log format</a:t>
-            </a:r>
-          </a:p>
-        </p:txBody>
-      </p:sp>
-      <p:sp>
-        <p:nvSpPr>
-          <p:cNvPr id="4" name="Content Placeholder 2">
+              <a:t>Extended common log format</a:t>
+            </a:r>
+          </a:p>
+        </p:txBody>
+      </p:sp>
+      <p:sp>
+        <p:nvSpPr>
+          <p:cNvPr id="5" name="Content Placeholder 2">
             <a:extLst>
               <a:ext uri="{FF2B5EF4-FFF2-40B4-BE49-F238E27FC236}">
-                <a16:creationId xmlns:a16="http://schemas.microsoft.com/office/drawing/2014/main" id="{2602F01E-BD30-4505-B4E5-939D1F9D80E9}"/>
+                <a16:creationId xmlns:a16="http://schemas.microsoft.com/office/drawing/2014/main" id="{DE6A4A5A-9455-46A3-B843-F47D4703894E}"/>
               </a:ext>
             </a:extLst>
           </p:cNvPr>
@@ -4966,7 +4912,7 @@
             </a:pPr>
             <a:r>
               <a:rPr lang="hr-HR" dirty="0"/>
-              <a:t> Ne može se prilagođavati</a:t>
+              <a:t> Sličan common log formatu, ali uključuje dodatna polja i mogućnost konfiguriranja</a:t>
             </a:r>
           </a:p>
           <a:p>
@@ -4983,58 +4929,113 @@
             </a:pPr>
             <a:r>
               <a:rPr lang="hr-HR" dirty="0"/>
-              <a:t>Format</a:t>
-            </a:r>
-          </a:p>
-          <a:p>
-            <a:pPr lvl="1">
-              <a:buFont typeface="Arial" panose="020B0604020202020204" pitchFamily="34" charset="0"/>
-              <a:buChar char="•"/>
-            </a:pPr>
-            <a:r>
-              <a:rPr lang="hr-HR" dirty="0"/>
-              <a:t>IP adresa klijenta, identifikator korisnika, korisničko ime, datum i vrijeme s vremenskom zonom, metoda i sadržaj koji se dohvaća, HTTP statusni kod, veličina sadržaja u bajtovima</a:t>
-            </a:r>
-          </a:p>
-          <a:p>
-            <a:pPr lvl="1">
-              <a:buFont typeface="Arial" panose="020B0604020202020204" pitchFamily="34" charset="0"/>
-              <a:buChar char="•"/>
-            </a:pPr>
-            <a:r>
-              <a:rPr lang="hr-HR" dirty="0"/>
-              <a:t>Bilježi se lokalno vrijeme klijenta, prazna polja označena su povlakom „-”, polja su odvojena razmakom</a:t>
-            </a:r>
-          </a:p>
-          <a:p>
-            <a:pPr lvl="1">
-              <a:buFont typeface="Arial" panose="020B0604020202020204" pitchFamily="34" charset="0"/>
-              <a:buChar char="•"/>
+              <a:t>  Format</a:t>
+            </a:r>
+          </a:p>
+          <a:p>
+            <a:pPr lvl="1">
+              <a:buFont typeface="Arial" panose="020B0604020202020204" pitchFamily="34" charset="0"/>
+              <a:buChar char="•"/>
+            </a:pPr>
+            <a:r>
+              <a:rPr lang="hr-HR" dirty="0"/>
+              <a:t>Datoteka započinje popisom smjernica označenih ljestvama „#”</a:t>
+            </a:r>
+          </a:p>
+          <a:p>
+            <a:pPr lvl="1">
+              <a:buFont typeface="Arial" panose="020B0604020202020204" pitchFamily="34" charset="0"/>
+              <a:buChar char="•"/>
+            </a:pPr>
+            <a:r>
+              <a:rPr lang="hr-HR" dirty="0"/>
+              <a:t>Smjernice</a:t>
+            </a:r>
+          </a:p>
+          <a:p>
+            <a:pPr lvl="2">
+              <a:buFont typeface="Arial" panose="020B0604020202020204" pitchFamily="34" charset="0"/>
+              <a:buChar char="•"/>
+            </a:pPr>
+            <a:r>
+              <a:rPr lang="hr-HR" dirty="0">
+                <a:solidFill>
+                  <a:srgbClr val="FF0000"/>
+                </a:solidFill>
+              </a:rPr>
+              <a:t>Verzija, polja</a:t>
+            </a:r>
+            <a:r>
+              <a:rPr lang="hr-HR" dirty="0"/>
+              <a:t>, program, početni datum, završni datum, datum nastanka, komentar</a:t>
+            </a:r>
+          </a:p>
+          <a:p>
+            <a:pPr lvl="1">
+              <a:buFont typeface="Arial" panose="020B0604020202020204" pitchFamily="34" charset="0"/>
+              <a:buChar char="•"/>
+            </a:pPr>
+            <a:r>
+              <a:rPr lang="hr-HR" dirty="0"/>
+              <a:t>Polja</a:t>
+            </a:r>
+          </a:p>
+          <a:p>
+            <a:pPr lvl="2">
+              <a:buFont typeface="Arial" panose="020B0604020202020204" pitchFamily="34" charset="0"/>
+              <a:buChar char="•"/>
+            </a:pPr>
+            <a:r>
+              <a:rPr lang="hr-HR" dirty="0"/>
+              <a:t>Datum, vrijeme, vrijeme obrade, veličina u bajtovima, priručna memorija, </a:t>
+            </a:r>
+            <a:r>
+              <a:rPr lang="hr-HR" dirty="0">
+                <a:solidFill>
+                  <a:srgbClr val="FF0000"/>
+                </a:solidFill>
+              </a:rPr>
+              <a:t>ip adresa i port, naziv DNS poslužitelja, HTTP status, komentar, metoda, URI, URI-stem, URI-query</a:t>
+            </a:r>
+          </a:p>
+          <a:p>
+            <a:pPr lvl="1">
+              <a:buFont typeface="Arial" panose="020B0604020202020204" pitchFamily="34" charset="0"/>
+              <a:buChar char="•"/>
+            </a:pPr>
+            <a:r>
+              <a:rPr lang="hr-HR" dirty="0"/>
+              <a:t>Vrijeme po UTC-u, prazna polja označena su povlakom „-”, polja su odvojena razmakom</a:t>
+            </a:r>
+          </a:p>
+          <a:p>
+            <a:pPr lvl="1">
+              <a:buFont typeface="Arial" panose="020B0604020202020204" pitchFamily="34" charset="0"/>
+              <a:buChar char="•"/>
+            </a:pPr>
+            <a:r>
+              <a:rPr lang="hr-HR" dirty="0"/>
+              <a:t>Format definira prefikse za polja</a:t>
+            </a:r>
+          </a:p>
+          <a:p>
+            <a:pPr lvl="2">
+              <a:buFont typeface="Arial" panose="020B0604020202020204" pitchFamily="34" charset="0"/>
+              <a:buChar char="•"/>
+            </a:pPr>
+            <a:r>
+              <a:rPr lang="hr-HR" dirty="0"/>
+              <a:t>c, s, r, cs, sc, sr, rs, x</a:t>
+            </a:r>
+          </a:p>
+          <a:p>
+            <a:pPr marL="384048" lvl="2" indent="0">
+              <a:buNone/>
             </a:pPr>
             <a:endParaRPr lang="hr-HR" dirty="0"/>
           </a:p>
           <a:p>
             <a:pPr>
-              <a:buFont typeface="Arial" panose="020B0604020202020204" pitchFamily="34" charset="0"/>
-              <a:buChar char="•"/>
-            </a:pPr>
-            <a:r>
-              <a:rPr lang="hr-HR" dirty="0"/>
-              <a:t>Primjer</a:t>
-            </a:r>
-          </a:p>
-          <a:p>
-            <a:pPr lvl="1">
-              <a:buFont typeface="Arial" panose="020B0604020202020204" pitchFamily="34" charset="0"/>
-              <a:buChar char="•"/>
-            </a:pPr>
-            <a:r>
-              <a:rPr lang="hr-HR" dirty="0"/>
-              <a:t>127.0.0.1 - lmodric [13/May/2020:16:36:46 +0200] "GET /projekt/css/style.css  HTTP/1.1" 200 7701</a:t>
-            </a:r>
-          </a:p>
-          <a:p>
-            <a:pPr lvl="1">
               <a:buFont typeface="Arial" panose="020B0604020202020204" pitchFamily="34" charset="0"/>
               <a:buChar char="•"/>
             </a:pPr>
@@ -5045,7 +5046,7 @@
     </p:spTree>
     <p:extLst>
       <p:ext uri="{BB962C8B-B14F-4D97-AF65-F5344CB8AC3E}">
-        <p14:creationId xmlns:p14="http://schemas.microsoft.com/office/powerpoint/2010/main" val="2846069568"/>
+        <p14:creationId xmlns:p14="http://schemas.microsoft.com/office/powerpoint/2010/main" val="1445406479"/>
       </p:ext>
     </p:extLst>
   </p:cSld>
@@ -5077,7 +5078,7 @@
           <p:cNvPr id="2" name="Title 1">
             <a:extLst>
               <a:ext uri="{FF2B5EF4-FFF2-40B4-BE49-F238E27FC236}">
-                <a16:creationId xmlns:a16="http://schemas.microsoft.com/office/drawing/2014/main" id="{FE32B574-B3C5-4796-9F03-A867282ACAA3}"/>
+                <a16:creationId xmlns:a16="http://schemas.microsoft.com/office/drawing/2014/main" id="{215D7C0A-3CD6-4243-B4F4-8ACD3F6C9B61}"/>
               </a:ext>
             </a:extLst>
           </p:cNvPr>
@@ -5102,10 +5103,10 @@
       </p:sp>
       <p:sp>
         <p:nvSpPr>
-          <p:cNvPr id="5" name="Content Placeholder 2">
+          <p:cNvPr id="3" name="Content Placeholder 2">
             <a:extLst>
               <a:ext uri="{FF2B5EF4-FFF2-40B4-BE49-F238E27FC236}">
-                <a16:creationId xmlns:a16="http://schemas.microsoft.com/office/drawing/2014/main" id="{DE6A4A5A-9455-46A3-B843-F47D4703894E}"/>
+                <a16:creationId xmlns:a16="http://schemas.microsoft.com/office/drawing/2014/main" id="{78FFF225-1D0D-4CF7-BC97-EB8C2410B866}"/>
               </a:ext>
             </a:extLst>
           </p:cNvPr>
@@ -5118,149 +5119,56 @@
         </p:nvSpPr>
         <p:spPr>
           <a:xfrm>
-            <a:off x="1097280" y="1845733"/>
-            <a:ext cx="10058400" cy="4630567"/>
+            <a:off x="4481958" y="2030292"/>
+            <a:ext cx="3228084" cy="4023360"/>
           </a:xfrm>
         </p:spPr>
         <p:txBody>
-          <a:bodyPr>
-            <a:normAutofit/>
-          </a:bodyPr>
-          <a:lstStyle/>
-          <a:p>
-            <a:pPr>
-              <a:buFont typeface="Arial" panose="020B0604020202020204" pitchFamily="34" charset="0"/>
-              <a:buChar char="•"/>
-            </a:pPr>
-            <a:r>
-              <a:rPr lang="hr-HR" dirty="0"/>
-              <a:t> Sličan common log formatu, ali uključuje dodatna polja i mogućnost konfiguriranja</a:t>
-            </a:r>
-          </a:p>
-          <a:p>
-            <a:pPr>
-              <a:buFont typeface="Arial" panose="020B0604020202020204" pitchFamily="34" charset="0"/>
-              <a:buChar char="•"/>
-            </a:pPr>
-            <a:endParaRPr lang="hr-HR" dirty="0"/>
-          </a:p>
-          <a:p>
-            <a:pPr>
-              <a:buFont typeface="Arial" panose="020B0604020202020204" pitchFamily="34" charset="0"/>
-              <a:buChar char="•"/>
-            </a:pPr>
-            <a:r>
-              <a:rPr lang="hr-HR" dirty="0"/>
-              <a:t>  Format</a:t>
-            </a:r>
-          </a:p>
-          <a:p>
-            <a:pPr lvl="1">
-              <a:buFont typeface="Arial" panose="020B0604020202020204" pitchFamily="34" charset="0"/>
-              <a:buChar char="•"/>
-            </a:pPr>
-            <a:r>
-              <a:rPr lang="hr-HR" dirty="0"/>
-              <a:t>Datoteka započinje popisom smjernica označenih ljestvama „#”</a:t>
-            </a:r>
-          </a:p>
-          <a:p>
-            <a:pPr lvl="1">
-              <a:buFont typeface="Arial" panose="020B0604020202020204" pitchFamily="34" charset="0"/>
-              <a:buChar char="•"/>
-            </a:pPr>
-            <a:r>
-              <a:rPr lang="hr-HR" dirty="0"/>
-              <a:t>Smjernice</a:t>
-            </a:r>
-          </a:p>
-          <a:p>
-            <a:pPr lvl="2">
-              <a:buFont typeface="Arial" panose="020B0604020202020204" pitchFamily="34" charset="0"/>
-              <a:buChar char="•"/>
-            </a:pPr>
-            <a:r>
-              <a:rPr lang="hr-HR" dirty="0">
-                <a:solidFill>
-                  <a:srgbClr val="FF0000"/>
-                </a:solidFill>
-              </a:rPr>
-              <a:t>Verzija, polja</a:t>
-            </a:r>
-            <a:r>
-              <a:rPr lang="hr-HR" dirty="0"/>
-              <a:t>, program, početni datum, završni datum, datum nastanka, komentar</a:t>
-            </a:r>
-          </a:p>
-          <a:p>
-            <a:pPr lvl="1">
-              <a:buFont typeface="Arial" panose="020B0604020202020204" pitchFamily="34" charset="0"/>
-              <a:buChar char="•"/>
-            </a:pPr>
-            <a:r>
-              <a:rPr lang="hr-HR" dirty="0"/>
-              <a:t>Polja</a:t>
-            </a:r>
-          </a:p>
-          <a:p>
-            <a:pPr lvl="2">
-              <a:buFont typeface="Arial" panose="020B0604020202020204" pitchFamily="34" charset="0"/>
-              <a:buChar char="•"/>
-            </a:pPr>
-            <a:r>
-              <a:rPr lang="hr-HR" dirty="0"/>
-              <a:t>Datum, vrijeme, vrijeme obrade, veličina u bajtovima, priručna memorija, </a:t>
-            </a:r>
-            <a:r>
-              <a:rPr lang="hr-HR" dirty="0">
-                <a:solidFill>
-                  <a:srgbClr val="FF0000"/>
-                </a:solidFill>
-              </a:rPr>
-              <a:t>ip adresa i port, naziv DNS poslužitelja, HTTP status, komentar, metoda, URI, URI-stem, URI-query</a:t>
-            </a:r>
-          </a:p>
-          <a:p>
-            <a:pPr lvl="1">
-              <a:buFont typeface="Arial" panose="020B0604020202020204" pitchFamily="34" charset="0"/>
-              <a:buChar char="•"/>
-            </a:pPr>
-            <a:r>
-              <a:rPr lang="hr-HR" dirty="0"/>
-              <a:t>Vrijeme po UTC-u, prazna polja označena su povlakom „-”, polja su odvojena razmakom</a:t>
-            </a:r>
-          </a:p>
-          <a:p>
-            <a:pPr lvl="1">
-              <a:buFont typeface="Arial" panose="020B0604020202020204" pitchFamily="34" charset="0"/>
-              <a:buChar char="•"/>
-            </a:pPr>
-            <a:r>
-              <a:rPr lang="hr-HR" dirty="0"/>
-              <a:t>Format definira prefikse za polja</a:t>
-            </a:r>
-          </a:p>
-          <a:p>
-            <a:pPr lvl="2">
-              <a:buFont typeface="Arial" panose="020B0604020202020204" pitchFamily="34" charset="0"/>
-              <a:buChar char="•"/>
-            </a:pPr>
-            <a:r>
-              <a:rPr lang="hr-HR" dirty="0"/>
-              <a:t>c, s, r, cs, sc, sr, rs, x</a:t>
-            </a:r>
-          </a:p>
-          <a:p>
-            <a:pPr marL="384048" lvl="2" indent="0">
-              <a:buNone/>
-            </a:pPr>
-            <a:endParaRPr lang="hr-HR" dirty="0"/>
-          </a:p>
-          <a:p>
-            <a:pPr>
-              <a:buFont typeface="Arial" panose="020B0604020202020204" pitchFamily="34" charset="0"/>
-              <a:buChar char="•"/>
-            </a:pPr>
+          <a:bodyPr/>
+          <a:lstStyle/>
+          <a:p>
+            <a:r>
+              <a:rPr lang="hr-HR" dirty="0"/>
+              <a:t>#Version: 1.0</a:t>
+            </a:r>
+          </a:p>
+          <a:p>
+            <a:r>
+              <a:rPr lang="hr-HR" dirty="0"/>
+              <a:t>#Date: 12-Jan-1996 00:00:00</a:t>
+            </a:r>
+          </a:p>
+          <a:p>
+            <a:r>
+              <a:rPr lang="hr-HR" dirty="0"/>
+              <a:t>#Fields: time cs-method cs-uri</a:t>
+            </a:r>
+          </a:p>
+          <a:p>
+            <a:r>
+              <a:rPr lang="hr-HR" dirty="0"/>
+              <a:t>00:34:23 GET /foo/bar.html</a:t>
+            </a:r>
+          </a:p>
+          <a:p>
+            <a:r>
+              <a:rPr lang="hr-HR" dirty="0"/>
+              <a:t>12:21:16 GET /foo/bar.html</a:t>
+            </a:r>
+          </a:p>
+          <a:p>
+            <a:r>
+              <a:rPr lang="hr-HR" dirty="0"/>
+              <a:t>12:45:52 GET /foo/bar.html</a:t>
+            </a:r>
+          </a:p>
+          <a:p>
+            <a:r>
+              <a:rPr lang="hr-HR" dirty="0"/>
+              <a:t>12:57:34 GET /foo/bar.html</a:t>
+            </a:r>
+          </a:p>
+          <a:p>
             <a:endParaRPr lang="hr-HR" dirty="0"/>
           </a:p>
         </p:txBody>
@@ -5268,7 +5176,7 @@
     </p:spTree>
     <p:extLst>
       <p:ext uri="{BB962C8B-B14F-4D97-AF65-F5344CB8AC3E}">
-        <p14:creationId xmlns:p14="http://schemas.microsoft.com/office/powerpoint/2010/main" val="1445406479"/>
+        <p14:creationId xmlns:p14="http://schemas.microsoft.com/office/powerpoint/2010/main" val="419026566"/>
       </p:ext>
     </p:extLst>
   </p:cSld>
@@ -5300,136 +5208,6 @@
           <p:cNvPr id="2" name="Title 1">
             <a:extLst>
               <a:ext uri="{FF2B5EF4-FFF2-40B4-BE49-F238E27FC236}">
-                <a16:creationId xmlns:a16="http://schemas.microsoft.com/office/drawing/2014/main" id="{215D7C0A-3CD6-4243-B4F4-8ACD3F6C9B61}"/>
-              </a:ext>
-            </a:extLst>
-          </p:cNvPr>
-          <p:cNvSpPr>
-            <a:spLocks noGrp="1"/>
-          </p:cNvSpPr>
-          <p:nvPr>
-            <p:ph type="title"/>
-          </p:nvPr>
-        </p:nvSpPr>
-        <p:spPr/>
-        <p:txBody>
-          <a:bodyPr/>
-          <a:lstStyle/>
-          <a:p>
-            <a:r>
-              <a:rPr lang="hr-HR" dirty="0"/>
-              <a:t>Extended common log format</a:t>
-            </a:r>
-          </a:p>
-        </p:txBody>
-      </p:sp>
-      <p:sp>
-        <p:nvSpPr>
-          <p:cNvPr id="3" name="Content Placeholder 2">
-            <a:extLst>
-              <a:ext uri="{FF2B5EF4-FFF2-40B4-BE49-F238E27FC236}">
-                <a16:creationId xmlns:a16="http://schemas.microsoft.com/office/drawing/2014/main" id="{78FFF225-1D0D-4CF7-BC97-EB8C2410B866}"/>
-              </a:ext>
-            </a:extLst>
-          </p:cNvPr>
-          <p:cNvSpPr>
-            <a:spLocks noGrp="1"/>
-          </p:cNvSpPr>
-          <p:nvPr>
-            <p:ph idx="1"/>
-          </p:nvPr>
-        </p:nvSpPr>
-        <p:spPr>
-          <a:xfrm>
-            <a:off x="4481958" y="2030292"/>
-            <a:ext cx="3228084" cy="4023360"/>
-          </a:xfrm>
-        </p:spPr>
-        <p:txBody>
-          <a:bodyPr/>
-          <a:lstStyle/>
-          <a:p>
-            <a:r>
-              <a:rPr lang="hr-HR" dirty="0"/>
-              <a:t>#Version: 1.0</a:t>
-            </a:r>
-          </a:p>
-          <a:p>
-            <a:r>
-              <a:rPr lang="hr-HR" dirty="0"/>
-              <a:t>#Date: 12-Jan-1996 00:00:00</a:t>
-            </a:r>
-          </a:p>
-          <a:p>
-            <a:r>
-              <a:rPr lang="hr-HR" dirty="0"/>
-              <a:t>#Fields: time cs-method cs-uri</a:t>
-            </a:r>
-          </a:p>
-          <a:p>
-            <a:r>
-              <a:rPr lang="hr-HR" dirty="0"/>
-              <a:t>00:34:23 GET /foo/bar.html</a:t>
-            </a:r>
-          </a:p>
-          <a:p>
-            <a:r>
-              <a:rPr lang="hr-HR" dirty="0"/>
-              <a:t>12:21:16 GET /foo/bar.html</a:t>
-            </a:r>
-          </a:p>
-          <a:p>
-            <a:r>
-              <a:rPr lang="hr-HR" dirty="0"/>
-              <a:t>12:45:52 GET /foo/bar.html</a:t>
-            </a:r>
-          </a:p>
-          <a:p>
-            <a:r>
-              <a:rPr lang="hr-HR" dirty="0"/>
-              <a:t>12:57:34 GET /foo/bar.html</a:t>
-            </a:r>
-          </a:p>
-          <a:p>
-            <a:endParaRPr lang="hr-HR" dirty="0"/>
-          </a:p>
-        </p:txBody>
-      </p:sp>
-    </p:spTree>
-    <p:extLst>
-      <p:ext uri="{BB962C8B-B14F-4D97-AF65-F5344CB8AC3E}">
-        <p14:creationId xmlns:p14="http://schemas.microsoft.com/office/powerpoint/2010/main" val="419026566"/>
-      </p:ext>
-    </p:extLst>
-  </p:cSld>
-  <p:clrMapOvr>
-    <a:masterClrMapping/>
-  </p:clrMapOvr>
-</p:sld>
-</file>
-
-<file path=ppt/slides/slide16.xml><?xml version="1.0" encoding="utf-8"?>
-<p:sld xmlns:a="http://schemas.openxmlformats.org/drawingml/2006/main" xmlns:r="http://schemas.openxmlformats.org/officeDocument/2006/relationships" xmlns:p="http://schemas.openxmlformats.org/presentationml/2006/main">
-  <p:cSld>
-    <p:spTree>
-      <p:nvGrpSpPr>
-        <p:cNvPr id="1" name=""/>
-        <p:cNvGrpSpPr/>
-        <p:nvPr/>
-      </p:nvGrpSpPr>
-      <p:grpSpPr>
-        <a:xfrm>
-          <a:off x="0" y="0"/>
-          <a:ext cx="0" cy="0"/>
-          <a:chOff x="0" y="0"/>
-          <a:chExt cx="0" cy="0"/>
-        </a:xfrm>
-      </p:grpSpPr>
-      <p:sp>
-        <p:nvSpPr>
-          <p:cNvPr id="2" name="Title 1">
-            <a:extLst>
-              <a:ext uri="{FF2B5EF4-FFF2-40B4-BE49-F238E27FC236}">
                 <a16:creationId xmlns:a16="http://schemas.microsoft.com/office/drawing/2014/main" id="{F1BABB7D-56B9-4A88-922A-B6FAFEBF3E73}"/>
               </a:ext>
             </a:extLst>
@@ -5602,7 +5380,7 @@
 </p:sld>
 </file>
 
-<file path=ppt/slides/slide17.xml><?xml version="1.0" encoding="utf-8"?>
+<file path=ppt/slides/slide16.xml><?xml version="1.0" encoding="utf-8"?>
 <p:sld xmlns:a="http://schemas.openxmlformats.org/drawingml/2006/main" xmlns:r="http://schemas.openxmlformats.org/officeDocument/2006/relationships" xmlns:p="http://schemas.openxmlformats.org/presentationml/2006/main">
   <p:cSld>
     <p:spTree>
@@ -5859,7 +5637,7 @@
 </p:sld>
 </file>
 
-<file path=ppt/slides/slide18.xml><?xml version="1.0" encoding="utf-8"?>
+<file path=ppt/slides/slide17.xml><?xml version="1.0" encoding="utf-8"?>
 <p:sld xmlns:a="http://schemas.openxmlformats.org/drawingml/2006/main" xmlns:r="http://schemas.openxmlformats.org/officeDocument/2006/relationships" xmlns:p="http://schemas.openxmlformats.org/presentationml/2006/main">
   <p:cSld>
     <p:spTree>
@@ -6067,7 +5845,7 @@
 </p:sld>
 </file>
 
-<file path=ppt/slides/slide19.xml><?xml version="1.0" encoding="utf-8"?>
+<file path=ppt/slides/slide18.xml><?xml version="1.0" encoding="utf-8"?>
 <p:sld xmlns:a="http://schemas.openxmlformats.org/drawingml/2006/main" xmlns:r="http://schemas.openxmlformats.org/officeDocument/2006/relationships" xmlns:p="http://schemas.openxmlformats.org/presentationml/2006/main">
   <p:cSld>
     <p:spTree>
@@ -6313,12 +6091,12 @@
         <p:spPr>
           <a:xfrm>
             <a:off x="1097280" y="1845733"/>
-            <a:ext cx="10058400" cy="4487955"/>
+            <a:ext cx="10058400" cy="4611214"/>
           </a:xfrm>
         </p:spPr>
         <p:txBody>
           <a:bodyPr>
-            <a:normAutofit fontScale="92500" lnSpcReduction="10000"/>
+            <a:normAutofit lnSpcReduction="10000"/>
           </a:bodyPr>
           <a:lstStyle/>
           <a:p>
@@ -6379,16 +6157,6 @@
             <a:r>
               <a:rPr lang="hr-HR" dirty="0"/>
               <a:t>Dnevnički zapisi na web poslužiteljima</a:t>
-            </a:r>
-          </a:p>
-          <a:p>
-            <a:pPr marL="749808" lvl="1" indent="-457200">
-              <a:buFont typeface="+mj-lt"/>
-              <a:buAutoNum type="arabicPeriod"/>
-            </a:pPr>
-            <a:r>
-              <a:rPr lang="hr-HR" dirty="0"/>
-              <a:t>Web poslužitelji</a:t>
             </a:r>
           </a:p>
           <a:p>
